--- a/Documentation/Symposium_poster_group4.pptx
+++ b/Documentation/Symposium_poster_group4.pptx
@@ -3959,7 +3959,23 @@
                 <a:ea typeface="Roboto" charset="0"/>
                 <a:cs typeface="Roboto" charset="0"/>
               </a:rPr>
-              <a:t>five</a:t>
+              <a:t>five systems</a:t>
+            </a:r>
+            <a:r>
+              <a:rPr lang="en-US" sz="5500" dirty="0">
+                <a:latin typeface="Roboto" charset="0"/>
+                <a:ea typeface="Roboto" charset="0"/>
+                <a:cs typeface="Roboto" charset="0"/>
+              </a:rPr>
+              <a:t> </a:t>
+            </a:r>
+            <a:r>
+              <a:rPr lang="en-US" sz="5500" dirty="0" smtClean="0">
+                <a:latin typeface="Roboto" charset="0"/>
+                <a:ea typeface="Roboto" charset="0"/>
+                <a:cs typeface="Roboto" charset="0"/>
+              </a:rPr>
+              <a:t>&amp; </a:t>
             </a:r>
             <a:r>
               <a:rPr lang="en-US" sz="5500" dirty="0" smtClean="0">
@@ -3970,67 +3986,7 @@
                 <a:ea typeface="Roboto" charset="0"/>
                 <a:cs typeface="Roboto" charset="0"/>
               </a:rPr>
-              <a:t> </a:t>
-            </a:r>
-            <a:r>
-              <a:rPr lang="en-US" sz="5500" dirty="0" smtClean="0">
-                <a:solidFill>
-                  <a:srgbClr val="942093"/>
-                </a:solidFill>
-                <a:latin typeface="Roboto" charset="0"/>
-                <a:ea typeface="Roboto" charset="0"/>
-                <a:cs typeface="Roboto" charset="0"/>
-              </a:rPr>
-              <a:t>systems</a:t>
-            </a:r>
-            <a:r>
-              <a:rPr lang="en-US" sz="5500" dirty="0">
-                <a:latin typeface="Roboto" charset="0"/>
-                <a:ea typeface="Roboto" charset="0"/>
-                <a:cs typeface="Roboto" charset="0"/>
-              </a:rPr>
-              <a:t> </a:t>
-            </a:r>
-            <a:r>
-              <a:rPr lang="en-US" sz="5500" dirty="0" smtClean="0">
-                <a:latin typeface="Roboto" charset="0"/>
-                <a:ea typeface="Roboto" charset="0"/>
-                <a:cs typeface="Roboto" charset="0"/>
-              </a:rPr>
-              <a:t>&amp; </a:t>
-            </a:r>
-            <a:r>
-              <a:rPr lang="en-US" sz="5500" dirty="0" smtClean="0">
-                <a:solidFill>
-                  <a:srgbClr val="942093"/>
-                </a:solidFill>
-                <a:latin typeface="Roboto" charset="0"/>
-                <a:ea typeface="Roboto" charset="0"/>
-                <a:cs typeface="Roboto" charset="0"/>
-              </a:rPr>
-              <a:t>four</a:t>
-            </a:r>
-            <a:r>
-              <a:rPr lang="en-US" sz="5500" dirty="0" smtClean="0">
-                <a:solidFill>
-                  <a:srgbClr val="942093"/>
-                </a:solidFill>
-                <a:latin typeface="Roboto" charset="0"/>
-                <a:ea typeface="Roboto" charset="0"/>
-                <a:cs typeface="Roboto" charset="0"/>
-              </a:rPr>
-              <a:t> </a:t>
-            </a:r>
-            <a:r>
-              <a:rPr lang="en-US" sz="5500" dirty="0" smtClean="0">
-                <a:solidFill>
-                  <a:srgbClr val="942093"/>
-                </a:solidFill>
-                <a:latin typeface="Roboto" charset="0"/>
-                <a:ea typeface="Roboto" charset="0"/>
-                <a:cs typeface="Roboto" charset="0"/>
-              </a:rPr>
-              <a:t>people </a:t>
+              <a:t>four people </a:t>
             </a:r>
             <a:r>
               <a:rPr lang="en-US" sz="5500" dirty="0" smtClean="0">
@@ -4494,29 +4450,7 @@
                 <a:ea typeface="Roboto" charset="0"/>
                 <a:cs typeface="Roboto" charset="0"/>
               </a:rPr>
-              <a:t>seven</a:t>
-            </a:r>
-            <a:r>
-              <a:rPr lang="en-US" sz="5500" dirty="0" smtClean="0">
-                <a:solidFill>
-                  <a:srgbClr val="942093"/>
-                </a:solidFill>
-                <a:latin typeface="Roboto" charset="0"/>
-                <a:ea typeface="Roboto" charset="0"/>
-                <a:cs typeface="Roboto" charset="0"/>
-              </a:rPr>
-              <a:t> </a:t>
-            </a:r>
-            <a:r>
-              <a:rPr lang="en-US" sz="5500" dirty="0" smtClean="0">
-                <a:solidFill>
-                  <a:srgbClr val="942093"/>
-                </a:solidFill>
-                <a:latin typeface="Roboto" charset="0"/>
-                <a:ea typeface="Roboto" charset="0"/>
-                <a:cs typeface="Roboto" charset="0"/>
-              </a:rPr>
-              <a:t>days </a:t>
+              <a:t>seven days </a:t>
             </a:r>
             <a:r>
               <a:rPr lang="en-US" sz="5500" dirty="0" smtClean="0">
@@ -4648,21 +4582,7 @@
                 <a:ea typeface="Roboto" charset="0"/>
                 <a:cs typeface="Roboto" charset="0"/>
               </a:rPr>
-              <a:t> </a:t>
-            </a:r>
-            <a:r>
-              <a:rPr lang="en-US" sz="4500" b="1" dirty="0" smtClean="0">
-                <a:solidFill>
-                  <a:schemeClr val="tx1">
-                    <a:lumMod val="50000"/>
-                    <a:lumOff val="50000"/>
-                  </a:schemeClr>
-                </a:solidFill>
-                <a:latin typeface="Roboto" charset="0"/>
-                <a:ea typeface="Roboto" charset="0"/>
-                <a:cs typeface="Roboto" charset="0"/>
-              </a:rPr>
-              <a:t>for quick iteration</a:t>
+              <a:t> for quick iteration</a:t>
             </a:r>
           </a:p>
         </p:txBody>
@@ -4719,16 +4639,6 @@
               </a:rPr>
               <a:t>Mapped current state</a:t>
             </a:r>
-            <a:endParaRPr lang="en-US" sz="4500" b="1" dirty="0" smtClean="0">
-              <a:solidFill>
-                <a:schemeClr val="bg2">
-                  <a:lumMod val="50000"/>
-                </a:schemeClr>
-              </a:solidFill>
-              <a:latin typeface="Roboto" charset="0"/>
-              <a:ea typeface="Roboto" charset="0"/>
-              <a:cs typeface="Roboto" charset="0"/>
-            </a:endParaRPr>
           </a:p>
           <a:p>
             <a:r>
@@ -4883,18 +4793,7 @@
                 <a:ea typeface="Roboto" charset="0"/>
                 <a:cs typeface="Roboto" charset="0"/>
               </a:rPr>
-              <a:t>User </a:t>
-            </a:r>
-            <a:r>
-              <a:rPr lang="en-US" sz="5500" dirty="0" smtClean="0">
-                <a:solidFill>
-                  <a:prstClr val="black"/>
-                </a:solidFill>
-                <a:latin typeface="Roboto" charset="0"/>
-                <a:ea typeface="Roboto" charset="0"/>
-                <a:cs typeface="Roboto" charset="0"/>
-              </a:rPr>
-              <a:t>Interviews</a:t>
+              <a:t>User Interviews</a:t>
             </a:r>
           </a:p>
           <a:p>
@@ -5029,33 +4928,7 @@
                 <a:ea typeface="Roboto" charset="0"/>
                 <a:cs typeface="Roboto" charset="0"/>
               </a:rPr>
-              <a:t>Used </a:t>
-            </a:r>
-            <a:r>
-              <a:rPr lang="en-US" sz="4500" b="1" dirty="0" smtClean="0">
-                <a:solidFill>
-                  <a:schemeClr val="bg2">
-                    <a:lumMod val="50000"/>
-                  </a:schemeClr>
-                </a:solidFill>
-                <a:latin typeface="Roboto" charset="0"/>
-                <a:ea typeface="Roboto" charset="0"/>
-                <a:cs typeface="Roboto" charset="0"/>
-              </a:rPr>
-              <a:t>historical data </a:t>
-            </a:r>
-            <a:r>
-              <a:rPr lang="en-US" sz="4500" b="1" dirty="0" smtClean="0">
-                <a:solidFill>
-                  <a:schemeClr val="bg2">
-                    <a:lumMod val="50000"/>
-                  </a:schemeClr>
-                </a:solidFill>
-                <a:latin typeface="Roboto" charset="0"/>
-                <a:ea typeface="Roboto" charset="0"/>
-                <a:cs typeface="Roboto" charset="0"/>
-              </a:rPr>
-              <a:t>&amp; testing framework</a:t>
+              <a:t>Used historical data &amp; testing framework</a:t>
             </a:r>
             <a:endParaRPr lang="en-US" sz="4500" b="1" dirty="0">
               <a:solidFill>
@@ -5202,21 +5075,7 @@
                 <a:ea typeface="Roboto" charset="0"/>
                 <a:cs typeface="Roboto" charset="0"/>
               </a:rPr>
-              <a:t> </a:t>
-            </a:r>
-            <a:r>
-              <a:rPr lang="en-US" sz="4500" b="1" dirty="0" smtClean="0">
-                <a:solidFill>
-                  <a:schemeClr val="tx1">
-                    <a:lumMod val="50000"/>
-                    <a:lumOff val="50000"/>
-                  </a:schemeClr>
-                </a:solidFill>
-                <a:latin typeface="Roboto" charset="0"/>
-                <a:ea typeface="Roboto" charset="0"/>
-                <a:cs typeface="Roboto" charset="0"/>
-              </a:rPr>
-              <a:t>process</a:t>
+              <a:t> process</a:t>
             </a:r>
           </a:p>
         </p:txBody>
@@ -5315,18 +5174,7 @@
                 <a:ea typeface="Roboto" charset="0"/>
                 <a:cs typeface="Roboto" charset="0"/>
               </a:rPr>
-              <a:t> </a:t>
-            </a:r>
-            <a:r>
-              <a:rPr lang="en-US" sz="4500" b="1" dirty="0" smtClean="0">
-                <a:solidFill>
-                  <a:srgbClr val="941E88"/>
-                </a:solidFill>
-                <a:latin typeface="Roboto" charset="0"/>
-                <a:ea typeface="Roboto" charset="0"/>
-                <a:cs typeface="Roboto" charset="0"/>
-              </a:rPr>
-              <a:t>software system </a:t>
+              <a:t> software system </a:t>
             </a:r>
           </a:p>
           <a:p>
@@ -5342,20 +5190,7 @@
                 <a:ea typeface="Roboto" charset="0"/>
                 <a:cs typeface="Roboto" charset="0"/>
               </a:rPr>
-              <a:t>TA </a:t>
-            </a:r>
-            <a:r>
-              <a:rPr lang="en-US" sz="4500" b="1" dirty="0" smtClean="0">
-                <a:solidFill>
-                  <a:schemeClr val="bg2">
-                    <a:lumMod val="50000"/>
-                  </a:schemeClr>
-                </a:solidFill>
-                <a:latin typeface="Roboto" charset="0"/>
-                <a:ea typeface="Roboto" charset="0"/>
-                <a:cs typeface="Roboto" charset="0"/>
-              </a:rPr>
-              <a:t>assignment </a:t>
+              <a:t>TA assignment </a:t>
             </a:r>
             <a:r>
               <a:rPr lang="en-US" sz="4500" b="1" dirty="0" smtClean="0">
@@ -5883,18 +5718,7 @@
                       <a:ea typeface="Roboto" charset="0"/>
                       <a:cs typeface="Roboto" charset="0"/>
                     </a:rPr>
-                    <a:t>Seven</a:t>
-                  </a:r>
-                  <a:r>
-                    <a:rPr lang="en-US" sz="5000" dirty="0" smtClean="0">
-                      <a:solidFill>
-                        <a:srgbClr val="942093"/>
-                      </a:solidFill>
-                      <a:latin typeface="Roboto" charset="0"/>
-                      <a:ea typeface="Roboto" charset="0"/>
-                      <a:cs typeface="Roboto" charset="0"/>
-                    </a:rPr>
-                    <a:t> </a:t>
+                    <a:t>Seven </a:t>
                   </a:r>
                   <a:r>
                     <a:rPr lang="en-US" sz="5000" dirty="0" smtClean="0">
@@ -6176,18 +6000,7 @@
                     <a:ea typeface="Roboto" charset="0"/>
                     <a:cs typeface="Roboto" charset="0"/>
                   </a:rPr>
-                  <a:t>Five</a:t>
-                </a:r>
-                <a:r>
-                  <a:rPr lang="en-US" sz="5000" dirty="0" smtClean="0">
-                    <a:solidFill>
-                      <a:srgbClr val="942093"/>
-                    </a:solidFill>
-                    <a:latin typeface="Roboto" charset="0"/>
-                    <a:ea typeface="Roboto" charset="0"/>
-                    <a:cs typeface="Roboto" charset="0"/>
-                  </a:rPr>
-                  <a:t> </a:t>
+                  <a:t>Five </a:t>
                 </a:r>
                 <a:r>
                   <a:rPr lang="en-US" sz="5000" dirty="0" smtClean="0">
@@ -6749,14 +6562,6 @@
               </a:rPr>
               <a:t>Tests</a:t>
             </a:r>
-            <a:endParaRPr lang="en-US" sz="5500" dirty="0" smtClean="0">
-              <a:solidFill>
-                <a:prstClr val="black"/>
-              </a:solidFill>
-              <a:latin typeface="Roboto" charset="0"/>
-              <a:ea typeface="Roboto" charset="0"/>
-              <a:cs typeface="Roboto" charset="0"/>
-            </a:endParaRPr>
           </a:p>
           <a:p>
             <a:pPr lvl="0"/>
@@ -6810,16 +6615,6 @@
               </a:rPr>
               <a:t> usability test</a:t>
             </a:r>
-            <a:endParaRPr lang="en-US" sz="4500" b="1" dirty="0" smtClean="0">
-              <a:solidFill>
-                <a:schemeClr val="bg2">
-                  <a:lumMod val="50000"/>
-                </a:schemeClr>
-              </a:solidFill>
-              <a:latin typeface="Roboto" charset="0"/>
-              <a:ea typeface="Roboto" charset="0"/>
-              <a:cs typeface="Roboto" charset="0"/>
-            </a:endParaRPr>
           </a:p>
           <a:p>
             <a:pPr lvl="0"/>
@@ -7538,18 +7333,7 @@
                 <a:ea typeface="Roboto" charset="0"/>
                 <a:cs typeface="Roboto" charset="0"/>
               </a:rPr>
-              <a:t>One</a:t>
-            </a:r>
-            <a:r>
-              <a:rPr lang="en-CA" sz="5500" dirty="0" smtClean="0">
-                <a:solidFill>
-                  <a:srgbClr val="941E88"/>
-                </a:solidFill>
-                <a:latin typeface="Roboto" charset="0"/>
-                <a:ea typeface="Roboto" charset="0"/>
-                <a:cs typeface="Roboto" charset="0"/>
-              </a:rPr>
-              <a:t> modular system </a:t>
+              <a:t>One modular system </a:t>
             </a:r>
             <a:r>
               <a:rPr lang="en-CA" sz="5500" dirty="0" smtClean="0">
@@ -7672,7 +7456,7 @@
             <p:spPr>
               <a:xfrm>
                 <a:off x="33886612" y="14915588"/>
-                <a:ext cx="8444875" cy="971163"/>
+                <a:ext cx="8843430" cy="967894"/>
               </a:xfrm>
               <a:prstGeom prst="rect">
                 <a:avLst/>
@@ -7695,7 +7479,18 @@
                     <a:ea typeface="Roboto" charset="0"/>
                     <a:cs typeface="Roboto" charset="0"/>
                   </a:rPr>
-                  <a:t>Max  </a:t>
+                  <a:t>Max</a:t>
+                </a:r>
+                <a:r>
+                  <a:rPr lang="en-CA" sz="4500" dirty="0" smtClean="0">
+                    <a:solidFill>
+                      <a:prstClr val="black"/>
+                    </a:solidFill>
+                    <a:latin typeface="Roboto" charset="0"/>
+                    <a:ea typeface="Roboto" charset="0"/>
+                    <a:cs typeface="Roboto" charset="0"/>
+                  </a:rPr>
+                  <a:t> </a:t>
                 </a:r>
                 <a14:m>
                   <m:oMath xmlns:m="http://schemas.openxmlformats.org/officeDocument/2006/math">
@@ -7706,7 +7501,7 @@
                         <m:supHide m:val="on"/>
                         <m:ctrlPr>
                           <a:rPr lang="en-US" sz="4800" i="1">
-                            <a:latin typeface="Roboto" charset="0"/>
+                            <a:latin typeface="Cambria Math" charset="0"/>
                             <a:ea typeface="Roboto" charset="0"/>
                             <a:cs typeface="Roboto" charset="0"/>
                           </a:rPr>
@@ -7715,7 +7510,7 @@
                       <m:sub>
                         <m:r>
                           <a:rPr lang="en-US" sz="4800" i="1">
-                            <a:latin typeface="Roboto" charset="0"/>
+                            <a:latin typeface="Cambria Math" charset="0"/>
                             <a:ea typeface="Roboto" charset="0"/>
                             <a:cs typeface="Roboto" charset="0"/>
                           </a:rPr>
@@ -7731,7 +7526,7 @@
                             <m:supHide m:val="on"/>
                             <m:ctrlPr>
                               <a:rPr lang="en-US" sz="4800" i="1">
-                                <a:latin typeface="Roboto" charset="0"/>
+                                <a:latin typeface="Cambria Math" charset="0"/>
                                 <a:ea typeface="Roboto" charset="0"/>
                                 <a:cs typeface="Roboto" charset="0"/>
                               </a:rPr>
@@ -7740,7 +7535,7 @@
                           <m:sub>
                             <m:r>
                               <a:rPr lang="en-US" sz="4800" i="1">
-                                <a:latin typeface="Roboto" charset="0"/>
+                                <a:latin typeface="Cambria Math" charset="0"/>
                                 <a:ea typeface="Roboto" charset="0"/>
                                 <a:cs typeface="Roboto" charset="0"/>
                               </a:rPr>
@@ -7753,7 +7548,7 @@
                               <m:sSubPr>
                                 <m:ctrlPr>
                                   <a:rPr lang="en-US" sz="4800" i="1">
-                                    <a:latin typeface="Roboto" charset="0"/>
+                                    <a:latin typeface="Cambria Math" charset="0"/>
                                     <a:ea typeface="Roboto" charset="0"/>
                                     <a:cs typeface="Roboto" charset="0"/>
                                   </a:rPr>
@@ -7762,7 +7557,7 @@
                               <m:e>
                                 <m:r>
                                   <a:rPr lang="en-US" sz="4800" i="1">
-                                    <a:latin typeface="Roboto" charset="0"/>
+                                    <a:latin typeface="Cambria Math" charset="0"/>
                                     <a:ea typeface="Roboto" charset="0"/>
                                     <a:cs typeface="Roboto" charset="0"/>
                                   </a:rPr>
@@ -7772,7 +7567,7 @@
                               <m:sub>
                                 <m:r>
                                   <a:rPr lang="en-US" sz="4800" i="1">
-                                    <a:latin typeface="Roboto" charset="0"/>
+                                    <a:latin typeface="Cambria Math" charset="0"/>
                                     <a:ea typeface="Roboto" charset="0"/>
                                     <a:cs typeface="Roboto" charset="0"/>
                                   </a:rPr>
@@ -7786,7 +7581,7 @@
                     </m:nary>
                     <m:r>
                       <a:rPr lang="en-US" sz="4800" i="1">
-                        <a:latin typeface="Roboto" charset="0"/>
+                        <a:latin typeface="Cambria Math" charset="0"/>
                         <a:ea typeface="Roboto" charset="0"/>
                         <a:cs typeface="Roboto" charset="0"/>
                       </a:rPr>
@@ -7794,7 +7589,7 @@
                     </m:r>
                     <m:r>
                       <a:rPr lang="en-US" sz="4800">
-                        <a:latin typeface="Roboto" charset="0"/>
+                        <a:latin typeface="Cambria Math" charset="0"/>
                         <a:ea typeface="Roboto" charset="0"/>
                         <a:cs typeface="Roboto" charset="0"/>
                       </a:rPr>
@@ -7805,7 +7600,7 @@
                         <a:solidFill>
                           <a:srgbClr val="941E88"/>
                         </a:solidFill>
-                        <a:latin typeface="Roboto" charset="0"/>
+                        <a:latin typeface="Cambria Math" charset="0"/>
                         <a:ea typeface="Roboto" charset="0"/>
                         <a:cs typeface="Roboto" charset="0"/>
                       </a:rPr>
@@ -7815,7 +7610,7 @@
                       <m:dPr>
                         <m:ctrlPr>
                           <a:rPr lang="en-US" sz="4800" i="1">
-                            <a:latin typeface="Roboto" charset="0"/>
+                            <a:latin typeface="Cambria Math" charset="0"/>
                             <a:ea typeface="Roboto" charset="0"/>
                             <a:cs typeface="Roboto" charset="0"/>
                           </a:rPr>
@@ -7829,7 +7624,7 @@
                             <m:supHide m:val="on"/>
                             <m:ctrlPr>
                               <a:rPr lang="en-US" sz="4800" i="1">
-                                <a:latin typeface="Roboto" charset="0"/>
+                                <a:latin typeface="Cambria Math" charset="0"/>
                                 <a:ea typeface="Roboto" charset="0"/>
                                 <a:cs typeface="Roboto" charset="0"/>
                               </a:rPr>
@@ -7838,7 +7633,7 @@
                           <m:sub>
                             <m:r>
                               <a:rPr lang="en-US" sz="4800" i="1">
-                                <a:latin typeface="Roboto" charset="0"/>
+                                <a:latin typeface="Cambria Math" charset="0"/>
                                 <a:ea typeface="Roboto" charset="0"/>
                                 <a:cs typeface="Roboto" charset="0"/>
                               </a:rPr>
@@ -7854,7 +7649,7 @@
                                 <m:supHide m:val="on"/>
                                 <m:ctrlPr>
                                   <a:rPr lang="en-US" sz="4800" i="1">
-                                    <a:latin typeface="Roboto" charset="0"/>
+                                    <a:latin typeface="Cambria Math" charset="0"/>
                                     <a:ea typeface="Roboto" charset="0"/>
                                     <a:cs typeface="Roboto" charset="0"/>
                                   </a:rPr>
@@ -7863,7 +7658,7 @@
                               <m:sub>
                                 <m:r>
                                   <a:rPr lang="en-US" sz="4800" i="1">
-                                    <a:latin typeface="Roboto" charset="0"/>
+                                    <a:latin typeface="Cambria Math" charset="0"/>
                                     <a:ea typeface="Roboto" charset="0"/>
                                     <a:cs typeface="Roboto" charset="0"/>
                                   </a:rPr>
@@ -7876,7 +7671,7 @@
                                   <m:sSubPr>
                                     <m:ctrlPr>
                                       <a:rPr lang="en-US" sz="4800" i="1">
-                                        <a:latin typeface="Roboto" charset="0"/>
+                                        <a:latin typeface="Cambria Math" charset="0"/>
                                         <a:ea typeface="Roboto" charset="0"/>
                                         <a:cs typeface="Roboto" charset="0"/>
                                       </a:rPr>
@@ -7885,7 +7680,7 @@
                                   <m:e>
                                     <m:r>
                                       <a:rPr lang="en-US" sz="4800" i="1">
-                                        <a:latin typeface="Roboto" charset="0"/>
+                                        <a:latin typeface="Cambria Math" charset="0"/>
                                         <a:ea typeface="Roboto" charset="0"/>
                                         <a:cs typeface="Roboto" charset="0"/>
                                       </a:rPr>
@@ -7895,7 +7690,7 @@
                                   <m:sub>
                                     <m:r>
                                       <a:rPr lang="en-US" sz="4800" i="1">
-                                        <a:latin typeface="Roboto" charset="0"/>
+                                        <a:latin typeface="Cambria Math" charset="0"/>
                                         <a:ea typeface="Roboto" charset="0"/>
                                         <a:cs typeface="Roboto" charset="0"/>
                                       </a:rPr>
@@ -7909,7 +7704,7 @@
                               <m:sSubPr>
                                 <m:ctrlPr>
                                   <a:rPr lang="en-US" sz="4800" i="1">
-                                    <a:latin typeface="Roboto" charset="0"/>
+                                    <a:latin typeface="Cambria Math" charset="0"/>
                                     <a:ea typeface="Roboto" charset="0"/>
                                     <a:cs typeface="Roboto" charset="0"/>
                                   </a:rPr>
@@ -7918,7 +7713,7 @@
                               <m:e>
                                 <m:r>
                                   <a:rPr lang="en-US" sz="4800" i="1">
-                                    <a:latin typeface="Roboto" charset="0"/>
+                                    <a:latin typeface="Cambria Math" charset="0"/>
                                     <a:ea typeface="Roboto" charset="0"/>
                                     <a:cs typeface="Roboto" charset="0"/>
                                   </a:rPr>
@@ -7928,7 +7723,7 @@
                               <m:sub>
                                 <m:r>
                                   <a:rPr lang="en-US" sz="4800" i="1">
-                                    <a:latin typeface="Roboto" charset="0"/>
+                                    <a:latin typeface="Cambria Math" charset="0"/>
                                     <a:ea typeface="Roboto" charset="0"/>
                                     <a:cs typeface="Roboto" charset="0"/>
                                   </a:rPr>
@@ -7975,7 +7770,7 @@
             <p:spPr>
               <a:xfrm>
                 <a:off x="33886612" y="14915588"/>
-                <a:ext cx="8444875" cy="971163"/>
+                <a:ext cx="8843430" cy="967894"/>
               </a:xfrm>
               <a:prstGeom prst="rect">
                 <a:avLst/>
@@ -7983,7 +7778,7 @@
               <a:blipFill rotWithShape="0">
                 <a:blip r:embed="rId10"/>
                 <a:stretch>
-                  <a:fillRect l="-3032" t="-3774" b="-20755"/>
+                  <a:fillRect l="-2895" t="-3774" b="-20755"/>
                 </a:stretch>
               </a:blipFill>
             </p:spPr>
@@ -8147,8 +7942,8 @@
           </a:p>
         </p:txBody>
       </p:sp>
-      <mc:AlternateContent xmlns:mc="http://schemas.openxmlformats.org/markup-compatibility/2006">
-        <mc:Choice xmlns:a14="http://schemas.microsoft.com/office/drawing/2010/main" Requires="a14">
+      <mc:AlternateContent xmlns:mc="http://schemas.openxmlformats.org/markup-compatibility/2006" xmlns:a14="http://schemas.microsoft.com/office/drawing/2010/main">
+        <mc:Choice Requires="a14">
           <p:sp>
             <p:nvSpPr>
               <p:cNvPr id="97" name="Rectangle 96"/>
@@ -8223,7 +8018,7 @@
             </p:txBody>
           </p:sp>
         </mc:Choice>
-        <mc:Fallback>
+        <mc:Fallback xmlns="">
           <p:sp>
             <p:nvSpPr>
               <p:cNvPr id="97" name="Rectangle 96"/>
@@ -8262,8 +8057,8 @@
           </p:sp>
         </mc:Fallback>
       </mc:AlternateContent>
-      <mc:AlternateContent xmlns:mc="http://schemas.openxmlformats.org/markup-compatibility/2006">
-        <mc:Choice xmlns:a14="http://schemas.microsoft.com/office/drawing/2010/main" Requires="a14">
+      <mc:AlternateContent xmlns:mc="http://schemas.openxmlformats.org/markup-compatibility/2006" xmlns:a14="http://schemas.microsoft.com/office/drawing/2010/main">
+        <mc:Choice Requires="a14">
           <p:sp>
             <p:nvSpPr>
               <p:cNvPr id="98" name="Rectangle 97"/>
@@ -8360,7 +8155,7 @@
             </p:txBody>
           </p:sp>
         </mc:Choice>
-        <mc:Fallback>
+        <mc:Fallback xmlns="">
           <p:sp>
             <p:nvSpPr>
               <p:cNvPr id="98" name="Rectangle 97"/>
@@ -8399,8 +8194,8 @@
           </p:sp>
         </mc:Fallback>
       </mc:AlternateContent>
-      <mc:AlternateContent xmlns:mc="http://schemas.openxmlformats.org/markup-compatibility/2006">
-        <mc:Choice xmlns:a14="http://schemas.microsoft.com/office/drawing/2010/main" Requires="a14">
+      <mc:AlternateContent xmlns:mc="http://schemas.openxmlformats.org/markup-compatibility/2006" xmlns:a14="http://schemas.microsoft.com/office/drawing/2010/main">
+        <mc:Choice Requires="a14">
           <p:sp>
             <p:nvSpPr>
               <p:cNvPr id="17" name="Rectangle 16"/>
@@ -8430,7 +8225,7 @@
                         <a:solidFill>
                           <a:srgbClr val="941E88"/>
                         </a:solidFill>
-                        <a:latin typeface="Roboto" charset="0"/>
+                        <a:latin typeface="Cambria Math" charset="0"/>
                         <a:ea typeface="Roboto" charset="0"/>
                         <a:cs typeface="Roboto" charset="0"/>
                       </a:rPr>
@@ -8455,7 +8250,7 @@
             </p:txBody>
           </p:sp>
         </mc:Choice>
-        <mc:Fallback>
+        <mc:Fallback xmlns="">
           <p:sp>
             <p:nvSpPr>
               <p:cNvPr id="17" name="Rectangle 16"/>
@@ -8573,11 +8368,6 @@
               </a:rPr>
               <a:t>A</a:t>
             </a:r>
-            <a:endParaRPr lang="en-US" sz="5000" dirty="0">
-              <a:solidFill>
-                <a:schemeClr val="tx1"/>
-              </a:solidFill>
-            </a:endParaRPr>
           </a:p>
         </p:txBody>
       </p:sp>
@@ -8863,11 +8653,6 @@
               </a:rPr>
               <a:t>F</a:t>
             </a:r>
-            <a:endParaRPr lang="en-US" sz="5000" dirty="0">
-              <a:solidFill>
-                <a:schemeClr val="tx1"/>
-              </a:solidFill>
-            </a:endParaRPr>
           </a:p>
         </p:txBody>
       </p:sp>

--- a/Documentation/Symposium_poster_group4.pptx
+++ b/Documentation/Symposium_poster_group4.pptx
@@ -3471,9 +3471,7 @@
             <a:avLst/>
           </a:prstGeom>
           <a:solidFill>
-            <a:schemeClr val="bg1">
-              <a:lumMod val="95000"/>
-            </a:schemeClr>
+            <a:srgbClr val="942093"/>
           </a:solidFill>
           <a:ln>
             <a:noFill/>
@@ -3621,50 +3619,39 @@
             <a:r>
               <a:rPr lang="en-US" sz="8800" b="1" dirty="0" smtClean="0">
                 <a:solidFill>
-                  <a:srgbClr val="009193"/>
+                  <a:schemeClr val="bg1"/>
                 </a:solidFill>
                 <a:latin typeface="Roboto Slab" charset="0"/>
                 <a:ea typeface="Roboto Slab" charset="0"/>
                 <a:cs typeface="Roboto Slab" charset="0"/>
               </a:rPr>
-              <a:t>TA Works</a:t>
-            </a:r>
-            <a:r>
-              <a:rPr lang="en-US" sz="8800" b="1" dirty="0" smtClean="0">
+              <a:t>TA Works | </a:t>
+            </a:r>
+            <a:r>
+              <a:rPr lang="en-CA" sz="8800" dirty="0">
                 <a:solidFill>
-                  <a:schemeClr val="accent2"/>
+                  <a:schemeClr val="bg1"/>
                 </a:solidFill>
                 <a:latin typeface="Roboto Slab" charset="0"/>
                 <a:ea typeface="Roboto Slab" charset="0"/>
                 <a:cs typeface="Roboto Slab" charset="0"/>
               </a:rPr>
-              <a:t> | </a:t>
-            </a:r>
-            <a:r>
-              <a:rPr lang="en-CA" sz="8800" dirty="0">
+              <a:t>Improving the end-to-end TA assignment process</a:t>
+            </a:r>
+            <a:r>
+              <a:rPr lang="en-US" sz="8800" dirty="0">
                 <a:solidFill>
-                  <a:srgbClr val="941E88"/>
+                  <a:schemeClr val="bg1"/>
                 </a:solidFill>
                 <a:latin typeface="Roboto Slab" charset="0"/>
                 <a:ea typeface="Roboto Slab" charset="0"/>
                 <a:cs typeface="Roboto Slab" charset="0"/>
               </a:rPr>
-              <a:t>Improving the end-to-end TA assignment process</a:t>
-            </a:r>
-            <a:r>
-              <a:rPr lang="en-US" sz="8800" dirty="0">
-                <a:solidFill>
-                  <a:srgbClr val="941E88"/>
-                </a:solidFill>
-                <a:latin typeface="Roboto Slab" charset="0"/>
-                <a:ea typeface="Roboto Slab" charset="0"/>
-                <a:cs typeface="Roboto Slab" charset="0"/>
-              </a:rPr>
               <a:t> </a:t>
             </a:r>
             <a:endParaRPr lang="en-US" sz="8800" b="1" dirty="0">
               <a:solidFill>
-                <a:srgbClr val="941E88"/>
+                <a:schemeClr val="bg1"/>
               </a:solidFill>
               <a:latin typeface="Roboto Slab" charset="0"/>
               <a:ea typeface="Roboto Slab" charset="0"/>
@@ -5138,7 +5125,6 @@
             </a:endParaRPr>
           </a:p>
           <a:p>
-            <a:pPr lvl="0"/>
             <a:r>
               <a:rPr lang="en-US" sz="4500" b="1" dirty="0">
                 <a:solidFill>
@@ -5150,8 +5136,22 @@
                 <a:ea typeface="Roboto" charset="0"/>
                 <a:cs typeface="Roboto" charset="0"/>
               </a:rPr>
-              <a:t>E</a:t>
-            </a:r>
+              <a:t>TA assignment </a:t>
+            </a:r>
+            <a:r>
+              <a:rPr lang="en-US" sz="4500" b="1" dirty="0">
+                <a:solidFill>
+                  <a:srgbClr val="941E88"/>
+                </a:solidFill>
+                <a:latin typeface="Roboto" charset="0"/>
+                <a:ea typeface="Roboto" charset="0"/>
+                <a:cs typeface="Roboto" charset="0"/>
+              </a:rPr>
+              <a:t>formulation</a:t>
+            </a:r>
+          </a:p>
+          <a:p>
+            <a:pPr lvl="0"/>
             <a:r>
               <a:rPr lang="en-US" sz="4500" b="1" dirty="0" smtClean="0">
                 <a:solidFill>
@@ -5163,10 +5163,10 @@
                 <a:ea typeface="Roboto" charset="0"/>
                 <a:cs typeface="Roboto" charset="0"/>
               </a:rPr>
-              <a:t>nd-to-end</a:t>
-            </a:r>
-            <a:r>
-              <a:rPr lang="en-US" sz="4500" b="1" dirty="0" smtClean="0">
+              <a:t>&amp; </a:t>
+            </a:r>
+            <a:r>
+              <a:rPr lang="en-US" sz="4500" b="1" smtClean="0">
                 <a:solidFill>
                   <a:srgbClr val="941E88"/>
                 </a:solidFill>
@@ -5174,13 +5174,10 @@
                 <a:ea typeface="Roboto" charset="0"/>
                 <a:cs typeface="Roboto" charset="0"/>
               </a:rPr>
-              <a:t> software system </a:t>
-            </a:r>
-          </a:p>
-          <a:p>
-            <a:pPr lvl="0"/>
-            <a:r>
-              <a:rPr lang="en-US" sz="4500" b="1" dirty="0" smtClean="0">
+              <a:t>system </a:t>
+            </a:r>
+            <a:r>
+              <a:rPr lang="en-US" sz="4500" b="1" smtClean="0">
                 <a:solidFill>
                   <a:schemeClr val="bg2">
                     <a:lumMod val="50000"/>
@@ -5190,19 +5187,16 @@
                 <a:ea typeface="Roboto" charset="0"/>
                 <a:cs typeface="Roboto" charset="0"/>
               </a:rPr>
-              <a:t>TA assignment </a:t>
-            </a:r>
-            <a:r>
-              <a:rPr lang="en-US" sz="4500" b="1" dirty="0" smtClean="0">
-                <a:solidFill>
-                  <a:srgbClr val="941E88"/>
-                </a:solidFill>
-                <a:latin typeface="Roboto" charset="0"/>
-                <a:ea typeface="Roboto" charset="0"/>
-                <a:cs typeface="Roboto" charset="0"/>
-              </a:rPr>
-              <a:t>formulation</a:t>
-            </a:r>
+              <a:t>integration</a:t>
+            </a:r>
+            <a:endParaRPr lang="en-US" sz="4500" b="1" dirty="0" smtClean="0">
+              <a:solidFill>
+                <a:srgbClr val="941E88"/>
+              </a:solidFill>
+              <a:latin typeface="Roboto" charset="0"/>
+              <a:ea typeface="Roboto" charset="0"/>
+              <a:cs typeface="Roboto" charset="0"/>
+            </a:endParaRPr>
           </a:p>
         </p:txBody>
       </p:sp>
@@ -7445,8 +7439,8 @@
           </a:p>
         </p:txBody>
       </p:sp>
-      <mc:AlternateContent xmlns:mc="http://schemas.openxmlformats.org/markup-compatibility/2006">
-        <mc:Choice xmlns:a14="http://schemas.microsoft.com/office/drawing/2010/main" Requires="a14">
+      <mc:AlternateContent xmlns:mc="http://schemas.openxmlformats.org/markup-compatibility/2006" xmlns:a14="http://schemas.microsoft.com/office/drawing/2010/main">
+        <mc:Choice Requires="a14">
           <p:sp>
             <p:nvSpPr>
               <p:cNvPr id="14" name="TextBox 13"/>
@@ -7479,18 +7473,7 @@
                     <a:ea typeface="Roboto" charset="0"/>
                     <a:cs typeface="Roboto" charset="0"/>
                   </a:rPr>
-                  <a:t>Max</a:t>
-                </a:r>
-                <a:r>
-                  <a:rPr lang="en-CA" sz="4500" dirty="0" smtClean="0">
-                    <a:solidFill>
-                      <a:prstClr val="black"/>
-                    </a:solidFill>
-                    <a:latin typeface="Roboto" charset="0"/>
-                    <a:ea typeface="Roboto" charset="0"/>
-                    <a:cs typeface="Roboto" charset="0"/>
-                  </a:rPr>
-                  <a:t> </a:t>
+                  <a:t>Max </a:t>
                 </a:r>
                 <a14:m>
                   <m:oMath xmlns:m="http://schemas.openxmlformats.org/officeDocument/2006/math">
@@ -7758,7 +7741,7 @@
             </p:txBody>
           </p:sp>
         </mc:Choice>
-        <mc:Fallback>
+        <mc:Fallback xmlns="">
           <p:sp>
             <p:nvSpPr>
               <p:cNvPr id="14" name="TextBox 13"/>
